--- a/全局唯一ID生成器.pptx
+++ b/全局唯一ID生成器.pptx
@@ -108,6 +108,11 @@
       </a:defRPr>
     </a:lvl9pPr>
   </p:defaultTextStyle>
+  <p:extLst>
+    <p:ext uri="{EFAFB233-063F-42B5-8137-9DF3F51BA10A}">
+      <p15:sldGuideLst xmlns:p15="http://schemas.microsoft.com/office/powerpoint/2012/main"/>
+    </p:ext>
+  </p:extLst>
 </p:presentation>
 </file>
 
@@ -242,7 +247,7 @@
           <a:p>
             <a:fld id="{98ECBBC8-4D16-4E7B-8692-F99AA53ED18B}" type="datetimeFigureOut">
               <a:rPr lang="zh-CN" altLang="en-US" smtClean="0"/>
-              <a:t>2019-12-25</a:t>
+              <a:t>2019-12-26</a:t>
             </a:fld>
             <a:endParaRPr lang="zh-CN" altLang="en-US"/>
           </a:p>
@@ -412,7 +417,7 @@
           <a:p>
             <a:fld id="{98ECBBC8-4D16-4E7B-8692-F99AA53ED18B}" type="datetimeFigureOut">
               <a:rPr lang="zh-CN" altLang="en-US" smtClean="0"/>
-              <a:t>2019-12-25</a:t>
+              <a:t>2019-12-26</a:t>
             </a:fld>
             <a:endParaRPr lang="zh-CN" altLang="en-US"/>
           </a:p>
@@ -592,7 +597,7 @@
           <a:p>
             <a:fld id="{98ECBBC8-4D16-4E7B-8692-F99AA53ED18B}" type="datetimeFigureOut">
               <a:rPr lang="zh-CN" altLang="en-US" smtClean="0"/>
-              <a:t>2019-12-25</a:t>
+              <a:t>2019-12-26</a:t>
             </a:fld>
             <a:endParaRPr lang="zh-CN" altLang="en-US"/>
           </a:p>
@@ -762,7 +767,7 @@
           <a:p>
             <a:fld id="{98ECBBC8-4D16-4E7B-8692-F99AA53ED18B}" type="datetimeFigureOut">
               <a:rPr lang="zh-CN" altLang="en-US" smtClean="0"/>
-              <a:t>2019-12-25</a:t>
+              <a:t>2019-12-26</a:t>
             </a:fld>
             <a:endParaRPr lang="zh-CN" altLang="en-US"/>
           </a:p>
@@ -1008,7 +1013,7 @@
           <a:p>
             <a:fld id="{98ECBBC8-4D16-4E7B-8692-F99AA53ED18B}" type="datetimeFigureOut">
               <a:rPr lang="zh-CN" altLang="en-US" smtClean="0"/>
-              <a:t>2019-12-25</a:t>
+              <a:t>2019-12-26</a:t>
             </a:fld>
             <a:endParaRPr lang="zh-CN" altLang="en-US"/>
           </a:p>
@@ -1240,7 +1245,7 @@
           <a:p>
             <a:fld id="{98ECBBC8-4D16-4E7B-8692-F99AA53ED18B}" type="datetimeFigureOut">
               <a:rPr lang="zh-CN" altLang="en-US" smtClean="0"/>
-              <a:t>2019-12-25</a:t>
+              <a:t>2019-12-26</a:t>
             </a:fld>
             <a:endParaRPr lang="zh-CN" altLang="en-US"/>
           </a:p>
@@ -1607,7 +1612,7 @@
           <a:p>
             <a:fld id="{98ECBBC8-4D16-4E7B-8692-F99AA53ED18B}" type="datetimeFigureOut">
               <a:rPr lang="zh-CN" altLang="en-US" smtClean="0"/>
-              <a:t>2019-12-25</a:t>
+              <a:t>2019-12-26</a:t>
             </a:fld>
             <a:endParaRPr lang="zh-CN" altLang="en-US"/>
           </a:p>
@@ -1725,7 +1730,7 @@
           <a:p>
             <a:fld id="{98ECBBC8-4D16-4E7B-8692-F99AA53ED18B}" type="datetimeFigureOut">
               <a:rPr lang="zh-CN" altLang="en-US" smtClean="0"/>
-              <a:t>2019-12-25</a:t>
+              <a:t>2019-12-26</a:t>
             </a:fld>
             <a:endParaRPr lang="zh-CN" altLang="en-US"/>
           </a:p>
@@ -1820,7 +1825,7 @@
           <a:p>
             <a:fld id="{98ECBBC8-4D16-4E7B-8692-F99AA53ED18B}" type="datetimeFigureOut">
               <a:rPr lang="zh-CN" altLang="en-US" smtClean="0"/>
-              <a:t>2019-12-25</a:t>
+              <a:t>2019-12-26</a:t>
             </a:fld>
             <a:endParaRPr lang="zh-CN" altLang="en-US"/>
           </a:p>
@@ -2097,7 +2102,7 @@
           <a:p>
             <a:fld id="{98ECBBC8-4D16-4E7B-8692-F99AA53ED18B}" type="datetimeFigureOut">
               <a:rPr lang="zh-CN" altLang="en-US" smtClean="0"/>
-              <a:t>2019-12-25</a:t>
+              <a:t>2019-12-26</a:t>
             </a:fld>
             <a:endParaRPr lang="zh-CN" altLang="en-US"/>
           </a:p>
@@ -2350,7 +2355,7 @@
           <a:p>
             <a:fld id="{98ECBBC8-4D16-4E7B-8692-F99AA53ED18B}" type="datetimeFigureOut">
               <a:rPr lang="zh-CN" altLang="en-US" smtClean="0"/>
-              <a:t>2019-12-25</a:t>
+              <a:t>2019-12-26</a:t>
             </a:fld>
             <a:endParaRPr lang="zh-CN" altLang="en-US"/>
           </a:p>
@@ -2563,7 +2568,7 @@
           <a:p>
             <a:fld id="{98ECBBC8-4D16-4E7B-8692-F99AA53ED18B}" type="datetimeFigureOut">
               <a:rPr lang="zh-CN" altLang="en-US" smtClean="0"/>
-              <a:t>2019-12-25</a:t>
+              <a:t>2019-12-26</a:t>
             </a:fld>
             <a:endParaRPr lang="zh-CN" altLang="en-US"/>
           </a:p>
@@ -3582,8 +3587,16 @@
               <a:t>ID</a:t>
             </a:r>
             <a:r>
-              <a:rPr lang="zh-CN" altLang="en-US" sz="2400" smtClean="0"/>
-              <a:t>不是严格递增，递增规律不明显。</a:t>
+              <a:rPr lang="zh-CN" altLang="en-US" sz="2400" dirty="0" smtClean="0"/>
+              <a:t>不是严格递增，递增规律不明显</a:t>
+            </a:r>
+            <a:r>
+              <a:rPr lang="zh-CN" altLang="en-US" sz="2400" dirty="0" smtClean="0"/>
+              <a:t>。</a:t>
+            </a:r>
+            <a:r>
+              <a:rPr lang="zh-CN" altLang="en-US" sz="2400" dirty="0" smtClean="0"/>
+              <a:t>仍然有一定的规律，可以被猜出来。</a:t>
             </a:r>
             <a:endParaRPr lang="en-US" altLang="zh-CN" sz="2400" dirty="0" smtClean="0"/>
           </a:p>
@@ -3763,19 +3776,11 @@
             </a:r>
             <a:r>
               <a:rPr lang="zh-CN" altLang="en-US" sz="2000" dirty="0" smtClean="0"/>
-              <a:t>时将</a:t>
-            </a:r>
-            <a:r>
-              <a:rPr lang="zh-CN" altLang="en-US" sz="2000" dirty="0" smtClean="0"/>
-              <a:t>当前已经分配的最大</a:t>
+              <a:t>时将当前已经分配的最大</a:t>
             </a:r>
             <a:r>
               <a:rPr lang="en-US" altLang="zh-CN" sz="2000" dirty="0" smtClean="0"/>
-              <a:t>ID </a:t>
-            </a:r>
-            <a:r>
-              <a:rPr lang="en-US" altLang="zh-CN" sz="2000" dirty="0" smtClean="0"/>
-              <a:t>+1</a:t>
+              <a:t>ID +1</a:t>
             </a:r>
             <a:r>
               <a:rPr lang="zh-CN" altLang="en-US" sz="2000" dirty="0" smtClean="0"/>
@@ -3897,7 +3902,19 @@
             </a:r>
             <a:r>
               <a:rPr lang="zh-CN" altLang="en-US" sz="2000" dirty="0" smtClean="0"/>
-              <a:t>，系统复杂。</a:t>
+              <a:t>，系统复杂</a:t>
+            </a:r>
+            <a:r>
+              <a:rPr lang="zh-CN" altLang="en-US" sz="2000" dirty="0" smtClean="0"/>
+              <a:t>。太过有规律的</a:t>
+            </a:r>
+            <a:r>
+              <a:rPr lang="en-US" altLang="zh-CN" sz="2000" dirty="0" smtClean="0"/>
+              <a:t>ID</a:t>
+            </a:r>
+            <a:r>
+              <a:rPr lang="zh-CN" altLang="en-US" sz="2000" smtClean="0"/>
+              <a:t>容易被猜出来。</a:t>
             </a:r>
             <a:endParaRPr lang="zh-CN" altLang="en-US" sz="2000" dirty="0"/>
           </a:p>

--- a/全局唯一ID生成器.pptx
+++ b/全局唯一ID生成器.pptx
@@ -247,7 +247,7 @@
           <a:p>
             <a:fld id="{98ECBBC8-4D16-4E7B-8692-F99AA53ED18B}" type="datetimeFigureOut">
               <a:rPr lang="zh-CN" altLang="en-US" smtClean="0"/>
-              <a:t>2019-12-26</a:t>
+              <a:t>2019-12-27</a:t>
             </a:fld>
             <a:endParaRPr lang="zh-CN" altLang="en-US"/>
           </a:p>
@@ -417,7 +417,7 @@
           <a:p>
             <a:fld id="{98ECBBC8-4D16-4E7B-8692-F99AA53ED18B}" type="datetimeFigureOut">
               <a:rPr lang="zh-CN" altLang="en-US" smtClean="0"/>
-              <a:t>2019-12-26</a:t>
+              <a:t>2019-12-27</a:t>
             </a:fld>
             <a:endParaRPr lang="zh-CN" altLang="en-US"/>
           </a:p>
@@ -597,7 +597,7 @@
           <a:p>
             <a:fld id="{98ECBBC8-4D16-4E7B-8692-F99AA53ED18B}" type="datetimeFigureOut">
               <a:rPr lang="zh-CN" altLang="en-US" smtClean="0"/>
-              <a:t>2019-12-26</a:t>
+              <a:t>2019-12-27</a:t>
             </a:fld>
             <a:endParaRPr lang="zh-CN" altLang="en-US"/>
           </a:p>
@@ -767,7 +767,7 @@
           <a:p>
             <a:fld id="{98ECBBC8-4D16-4E7B-8692-F99AA53ED18B}" type="datetimeFigureOut">
               <a:rPr lang="zh-CN" altLang="en-US" smtClean="0"/>
-              <a:t>2019-12-26</a:t>
+              <a:t>2019-12-27</a:t>
             </a:fld>
             <a:endParaRPr lang="zh-CN" altLang="en-US"/>
           </a:p>
@@ -1013,7 +1013,7 @@
           <a:p>
             <a:fld id="{98ECBBC8-4D16-4E7B-8692-F99AA53ED18B}" type="datetimeFigureOut">
               <a:rPr lang="zh-CN" altLang="en-US" smtClean="0"/>
-              <a:t>2019-12-26</a:t>
+              <a:t>2019-12-27</a:t>
             </a:fld>
             <a:endParaRPr lang="zh-CN" altLang="en-US"/>
           </a:p>
@@ -1245,7 +1245,7 @@
           <a:p>
             <a:fld id="{98ECBBC8-4D16-4E7B-8692-F99AA53ED18B}" type="datetimeFigureOut">
               <a:rPr lang="zh-CN" altLang="en-US" smtClean="0"/>
-              <a:t>2019-12-26</a:t>
+              <a:t>2019-12-27</a:t>
             </a:fld>
             <a:endParaRPr lang="zh-CN" altLang="en-US"/>
           </a:p>
@@ -1612,7 +1612,7 @@
           <a:p>
             <a:fld id="{98ECBBC8-4D16-4E7B-8692-F99AA53ED18B}" type="datetimeFigureOut">
               <a:rPr lang="zh-CN" altLang="en-US" smtClean="0"/>
-              <a:t>2019-12-26</a:t>
+              <a:t>2019-12-27</a:t>
             </a:fld>
             <a:endParaRPr lang="zh-CN" altLang="en-US"/>
           </a:p>
@@ -1730,7 +1730,7 @@
           <a:p>
             <a:fld id="{98ECBBC8-4D16-4E7B-8692-F99AA53ED18B}" type="datetimeFigureOut">
               <a:rPr lang="zh-CN" altLang="en-US" smtClean="0"/>
-              <a:t>2019-12-26</a:t>
+              <a:t>2019-12-27</a:t>
             </a:fld>
             <a:endParaRPr lang="zh-CN" altLang="en-US"/>
           </a:p>
@@ -1825,7 +1825,7 @@
           <a:p>
             <a:fld id="{98ECBBC8-4D16-4E7B-8692-F99AA53ED18B}" type="datetimeFigureOut">
               <a:rPr lang="zh-CN" altLang="en-US" smtClean="0"/>
-              <a:t>2019-12-26</a:t>
+              <a:t>2019-12-27</a:t>
             </a:fld>
             <a:endParaRPr lang="zh-CN" altLang="en-US"/>
           </a:p>
@@ -2102,7 +2102,7 @@
           <a:p>
             <a:fld id="{98ECBBC8-4D16-4E7B-8692-F99AA53ED18B}" type="datetimeFigureOut">
               <a:rPr lang="zh-CN" altLang="en-US" smtClean="0"/>
-              <a:t>2019-12-26</a:t>
+              <a:t>2019-12-27</a:t>
             </a:fld>
             <a:endParaRPr lang="zh-CN" altLang="en-US"/>
           </a:p>
@@ -2355,7 +2355,7 @@
           <a:p>
             <a:fld id="{98ECBBC8-4D16-4E7B-8692-F99AA53ED18B}" type="datetimeFigureOut">
               <a:rPr lang="zh-CN" altLang="en-US" smtClean="0"/>
-              <a:t>2019-12-26</a:t>
+              <a:t>2019-12-27</a:t>
             </a:fld>
             <a:endParaRPr lang="zh-CN" altLang="en-US"/>
           </a:p>
@@ -2568,7 +2568,7 @@
           <a:p>
             <a:fld id="{98ECBBC8-4D16-4E7B-8692-F99AA53ED18B}" type="datetimeFigureOut">
               <a:rPr lang="zh-CN" altLang="en-US" smtClean="0"/>
-              <a:t>2019-12-26</a:t>
+              <a:t>2019-12-27</a:t>
             </a:fld>
             <a:endParaRPr lang="zh-CN" altLang="en-US"/>
           </a:p>
@@ -3588,15 +3588,7 @@
             </a:r>
             <a:r>
               <a:rPr lang="zh-CN" altLang="en-US" sz="2400" dirty="0" smtClean="0"/>
-              <a:t>不是严格递增，递增规律不明显</a:t>
-            </a:r>
-            <a:r>
-              <a:rPr lang="zh-CN" altLang="en-US" sz="2400" dirty="0" smtClean="0"/>
-              <a:t>。</a:t>
-            </a:r>
-            <a:r>
-              <a:rPr lang="zh-CN" altLang="en-US" sz="2400" dirty="0" smtClean="0"/>
-              <a:t>仍然有一定的规律，可以被猜出来。</a:t>
+              <a:t>不是严格递增，递增规律不明显。仍然有一定的规律，可以被猜出来。</a:t>
             </a:r>
             <a:endParaRPr lang="en-US" altLang="zh-CN" sz="2400" dirty="0" smtClean="0"/>
           </a:p>
@@ -3902,11 +3894,7 @@
             </a:r>
             <a:r>
               <a:rPr lang="zh-CN" altLang="en-US" sz="2000" dirty="0" smtClean="0"/>
-              <a:t>，系统复杂</a:t>
-            </a:r>
-            <a:r>
-              <a:rPr lang="zh-CN" altLang="en-US" sz="2000" dirty="0" smtClean="0"/>
-              <a:t>。太过有规律的</a:t>
+              <a:t>，系统复杂。太过有规律的</a:t>
             </a:r>
             <a:r>
               <a:rPr lang="en-US" altLang="zh-CN" sz="2000" dirty="0" smtClean="0"/>
